--- a/Dotnet/dotnet Session 2.pptx
+++ b/Dotnet/dotnet Session 2.pptx
@@ -11743,7 +11743,7 @@
             <a:buNone/>
           </a:pPr>
           <a:r>
-            <a:rPr lang="fr-FR" b="0"/>
+            <a:rPr lang="fr-FR" b="0" dirty="0"/>
             <a:t>);</a:t>
           </a:r>
         </a:p>
@@ -12092,7 +12092,7 @@
           </a:r>
           <a:r>
             <a:rPr lang="fr-FR" b="0" dirty="0" err="1"/>
-            <a:t>MyTaskContext</a:t>
+            <a:t>PutNameHereContext</a:t>
           </a:r>
           <a:r>
             <a:rPr lang="fr-FR" b="0" dirty="0"/>
@@ -16585,7 +16585,7 @@
             <a:buNone/>
           </a:pPr>
           <a:r>
-            <a:rPr lang="fr-FR" sz="2100" b="0" kern="1200"/>
+            <a:rPr lang="fr-FR" sz="2100" b="0" kern="1200" dirty="0"/>
             <a:t>);</a:t>
           </a:r>
         </a:p>
@@ -16875,7 +16875,7 @@
           </a:r>
           <a:r>
             <a:rPr lang="fr-FR" sz="2100" b="0" kern="1200" dirty="0" err="1"/>
-            <a:t>MyTaskContext</a:t>
+            <a:t>PutNameHereContext</a:t>
           </a:r>
           <a:r>
             <a:rPr lang="fr-FR" sz="2100" b="0" kern="1200" dirty="0"/>
@@ -31838,7 +31838,7 @@
           <a:p>
             <a:fld id="{C2E97FD6-B269-4CD7-A073-512C01108090}" type="datetimeFigureOut">
               <a:rPr lang="fr-FR" smtClean="0"/>
-              <a:t>28/09/2023</a:t>
+              <a:t>25/10/2023</a:t>
             </a:fld>
             <a:endParaRPr lang="fr-FR"/>
           </a:p>
@@ -32046,7 +32046,7 @@
           <a:p>
             <a:fld id="{C2E97FD6-B269-4CD7-A073-512C01108090}" type="datetimeFigureOut">
               <a:rPr lang="fr-FR" smtClean="0"/>
-              <a:t>28/09/2023</a:t>
+              <a:t>25/10/2023</a:t>
             </a:fld>
             <a:endParaRPr lang="fr-FR"/>
           </a:p>
@@ -32302,7 +32302,7 @@
           <a:p>
             <a:fld id="{C2E97FD6-B269-4CD7-A073-512C01108090}" type="datetimeFigureOut">
               <a:rPr lang="fr-FR" smtClean="0"/>
-              <a:t>28/09/2023</a:t>
+              <a:t>25/10/2023</a:t>
             </a:fld>
             <a:endParaRPr lang="fr-FR"/>
           </a:p>
@@ -32472,7 +32472,7 @@
           <a:p>
             <a:fld id="{C2E97FD6-B269-4CD7-A073-512C01108090}" type="datetimeFigureOut">
               <a:rPr lang="fr-FR" smtClean="0"/>
-              <a:t>28/09/2023</a:t>
+              <a:t>25/10/2023</a:t>
             </a:fld>
             <a:endParaRPr lang="fr-FR"/>
           </a:p>
@@ -32815,7 +32815,7 @@
           <a:p>
             <a:fld id="{C2E97FD6-B269-4CD7-A073-512C01108090}" type="datetimeFigureOut">
               <a:rPr lang="fr-FR" smtClean="0"/>
-              <a:t>28/09/2023</a:t>
+              <a:t>25/10/2023</a:t>
             </a:fld>
             <a:endParaRPr lang="fr-FR"/>
           </a:p>
@@ -33090,7 +33090,7 @@
           <a:p>
             <a:fld id="{C2E97FD6-B269-4CD7-A073-512C01108090}" type="datetimeFigureOut">
               <a:rPr lang="fr-FR" smtClean="0"/>
-              <a:t>28/09/2023</a:t>
+              <a:t>25/10/2023</a:t>
             </a:fld>
             <a:endParaRPr lang="fr-FR"/>
           </a:p>
@@ -33469,7 +33469,7 @@
           <a:p>
             <a:fld id="{C2E97FD6-B269-4CD7-A073-512C01108090}" type="datetimeFigureOut">
               <a:rPr lang="fr-FR" smtClean="0"/>
-              <a:t>28/09/2023</a:t>
+              <a:t>25/10/2023</a:t>
             </a:fld>
             <a:endParaRPr lang="fr-FR"/>
           </a:p>
@@ -33587,7 +33587,7 @@
           <a:p>
             <a:fld id="{C2E97FD6-B269-4CD7-A073-512C01108090}" type="datetimeFigureOut">
               <a:rPr lang="fr-FR" smtClean="0"/>
-              <a:t>28/09/2023</a:t>
+              <a:t>25/10/2023</a:t>
             </a:fld>
             <a:endParaRPr lang="fr-FR"/>
           </a:p>
@@ -33758,7 +33758,7 @@
           <a:p>
             <a:fld id="{C2E97FD6-B269-4CD7-A073-512C01108090}" type="datetimeFigureOut">
               <a:rPr lang="fr-FR" smtClean="0"/>
-              <a:t>28/09/2023</a:t>
+              <a:t>25/10/2023</a:t>
             </a:fld>
             <a:endParaRPr lang="fr-FR"/>
           </a:p>
@@ -34112,7 +34112,7 @@
           <a:p>
             <a:fld id="{C2E97FD6-B269-4CD7-A073-512C01108090}" type="datetimeFigureOut">
               <a:rPr lang="fr-FR" smtClean="0"/>
-              <a:t>28/09/2023</a:t>
+              <a:t>25/10/2023</a:t>
             </a:fld>
             <a:endParaRPr lang="fr-FR"/>
           </a:p>
@@ -34489,7 +34489,7 @@
           <a:p>
             <a:fld id="{C2E97FD6-B269-4CD7-A073-512C01108090}" type="datetimeFigureOut">
               <a:rPr lang="fr-FR" smtClean="0"/>
-              <a:t>28/09/2023</a:t>
+              <a:t>25/10/2023</a:t>
             </a:fld>
             <a:endParaRPr lang="fr-FR"/>
           </a:p>
@@ -34776,7 +34776,7 @@
           <a:p>
             <a:fld id="{C2E97FD6-B269-4CD7-A073-512C01108090}" type="datetimeFigureOut">
               <a:rPr lang="fr-FR" smtClean="0"/>
-              <a:t>28/09/2023</a:t>
+              <a:t>25/10/2023</a:t>
             </a:fld>
             <a:endParaRPr lang="fr-FR"/>
           </a:p>
@@ -37012,7 +37012,7 @@
             <p:ph idx="1"/>
             <p:extLst>
               <p:ext uri="{D42A27DB-BD31-4B8C-83A1-F6EECF244321}">
-                <p14:modId xmlns:p14="http://schemas.microsoft.com/office/powerpoint/2010/main" val="2205233768"/>
+                <p14:modId xmlns:p14="http://schemas.microsoft.com/office/powerpoint/2010/main" val="3960578876"/>
               </p:ext>
             </p:extLst>
           </p:nvPr>
